--- a/0. About me.pptx
+++ b/0. About me.pptx
@@ -5,10 +5,11 @@
     <p:sldMasterId id="2147483648" r:id="rId1"/>
   </p:sldMasterIdLst>
   <p:notesMasterIdLst>
-    <p:notesMasterId r:id="rId3"/>
+    <p:notesMasterId r:id="rId4"/>
   </p:notesMasterIdLst>
   <p:sldIdLst>
     <p:sldId id="1750" r:id="rId2"/>
+    <p:sldId id="1751" r:id="rId3"/>
   </p:sldIdLst>
   <p:sldSz cx="12192000" cy="6858000"/>
   <p:notesSz cx="6858000" cy="9144000"/>
@@ -107,6 +108,11 @@
       </a:defRPr>
     </a:lvl9pPr>
   </p:defaultTextStyle>
+  <p:extLst>
+    <p:ext uri="{EFAFB233-063F-42B5-8137-9DF3F51BA10A}">
+      <p15:sldGuideLst xmlns:p15="http://schemas.microsoft.com/office/powerpoint/2012/main"/>
+    </p:ext>
+  </p:extLst>
 </p:presentation>
 </file>
 
@@ -192,7 +198,7 @@
           <a:p>
             <a:fld id="{0A11D9AB-18A4-4008-91FE-1C015FF2620B}" type="datetimeFigureOut">
               <a:rPr lang="en-US" smtClean="0"/>
-              <a:t>7/4/2020</a:t>
+              <a:t>7/6/2020</a:t>
             </a:fld>
             <a:endParaRPr lang="en-US"/>
           </a:p>
@@ -690,7 +696,7 @@
           <a:p>
             <a:fld id="{A3B297FA-B97B-4824-9A30-8D195691A781}" type="datetimeFigureOut">
               <a:rPr lang="en-US" smtClean="0"/>
-              <a:t>7/4/2020</a:t>
+              <a:t>7/6/2020</a:t>
             </a:fld>
             <a:endParaRPr lang="en-US"/>
           </a:p>
@@ -888,7 +894,7 @@
           <a:p>
             <a:fld id="{A3B297FA-B97B-4824-9A30-8D195691A781}" type="datetimeFigureOut">
               <a:rPr lang="en-US" smtClean="0"/>
-              <a:t>7/4/2020</a:t>
+              <a:t>7/6/2020</a:t>
             </a:fld>
             <a:endParaRPr lang="en-US"/>
           </a:p>
@@ -1096,7 +1102,7 @@
           <a:p>
             <a:fld id="{A3B297FA-B97B-4824-9A30-8D195691A781}" type="datetimeFigureOut">
               <a:rPr lang="en-US" smtClean="0"/>
-              <a:t>7/4/2020</a:t>
+              <a:t>7/6/2020</a:t>
             </a:fld>
             <a:endParaRPr lang="en-US"/>
           </a:p>
@@ -1413,7 +1419,7 @@
           <a:p>
             <a:fld id="{A3B297FA-B97B-4824-9A30-8D195691A781}" type="datetimeFigureOut">
               <a:rPr lang="en-US" smtClean="0"/>
-              <a:t>7/4/2020</a:t>
+              <a:t>7/6/2020</a:t>
             </a:fld>
             <a:endParaRPr lang="en-US"/>
           </a:p>
@@ -1688,7 +1694,7 @@
           <a:p>
             <a:fld id="{A3B297FA-B97B-4824-9A30-8D195691A781}" type="datetimeFigureOut">
               <a:rPr lang="en-US" smtClean="0"/>
-              <a:t>7/4/2020</a:t>
+              <a:t>7/6/2020</a:t>
             </a:fld>
             <a:endParaRPr lang="en-US"/>
           </a:p>
@@ -1953,7 +1959,7 @@
           <a:p>
             <a:fld id="{A3B297FA-B97B-4824-9A30-8D195691A781}" type="datetimeFigureOut">
               <a:rPr lang="en-US" smtClean="0"/>
-              <a:t>7/4/2020</a:t>
+              <a:t>7/6/2020</a:t>
             </a:fld>
             <a:endParaRPr lang="en-US"/>
           </a:p>
@@ -2365,7 +2371,7 @@
           <a:p>
             <a:fld id="{A3B297FA-B97B-4824-9A30-8D195691A781}" type="datetimeFigureOut">
               <a:rPr lang="en-US" smtClean="0"/>
-              <a:t>7/4/2020</a:t>
+              <a:t>7/6/2020</a:t>
             </a:fld>
             <a:endParaRPr lang="en-US"/>
           </a:p>
@@ -2506,7 +2512,7 @@
           <a:p>
             <a:fld id="{A3B297FA-B97B-4824-9A30-8D195691A781}" type="datetimeFigureOut">
               <a:rPr lang="en-US" smtClean="0"/>
-              <a:t>7/4/2020</a:t>
+              <a:t>7/6/2020</a:t>
             </a:fld>
             <a:endParaRPr lang="en-US"/>
           </a:p>
@@ -2619,7 +2625,7 @@
           <a:p>
             <a:fld id="{A3B297FA-B97B-4824-9A30-8D195691A781}" type="datetimeFigureOut">
               <a:rPr lang="en-US" smtClean="0"/>
-              <a:t>7/4/2020</a:t>
+              <a:t>7/6/2020</a:t>
             </a:fld>
             <a:endParaRPr lang="en-US"/>
           </a:p>
@@ -2930,7 +2936,7 @@
           <a:p>
             <a:fld id="{A3B297FA-B97B-4824-9A30-8D195691A781}" type="datetimeFigureOut">
               <a:rPr lang="en-US" smtClean="0"/>
-              <a:t>7/4/2020</a:t>
+              <a:t>7/6/2020</a:t>
             </a:fld>
             <a:endParaRPr lang="en-US"/>
           </a:p>
@@ -3218,7 +3224,7 @@
           <a:p>
             <a:fld id="{A3B297FA-B97B-4824-9A30-8D195691A781}" type="datetimeFigureOut">
               <a:rPr lang="en-US" smtClean="0"/>
-              <a:t>7/4/2020</a:t>
+              <a:t>7/6/2020</a:t>
             </a:fld>
             <a:endParaRPr lang="en-US"/>
           </a:p>
@@ -3459,7 +3465,7 @@
           <a:p>
             <a:fld id="{A3B297FA-B97B-4824-9A30-8D195691A781}" type="datetimeFigureOut">
               <a:rPr lang="en-US" smtClean="0"/>
-              <a:t>7/4/2020</a:t>
+              <a:t>7/6/2020</a:t>
             </a:fld>
             <a:endParaRPr lang="en-US"/>
           </a:p>
@@ -4162,12 +4168,16 @@
               <a:t>https://</a:t>
             </a:r>
             <a:r>
-              <a:rPr lang="en-US" b="1" dirty="0">
+              <a:rPr lang="en-US" sz="2000" b="1" dirty="0">
                 <a:latin typeface="Segoe UI Semibold" panose="020B0702040204020203" pitchFamily="34" charset="0"/>
                 <a:cs typeface="Segoe UI Semibold" panose="020B0702040204020203" pitchFamily="34" charset="0"/>
               </a:rPr>
               <a:t>ProgramistkaIKot.pl</a:t>
             </a:r>
+            <a:endParaRPr lang="en-US" b="1" dirty="0">
+              <a:latin typeface="Segoe UI Semibold" panose="020B0702040204020203" pitchFamily="34" charset="0"/>
+              <a:cs typeface="Segoe UI Semibold" panose="020B0702040204020203" pitchFamily="34" charset="0"/>
+            </a:endParaRPr>
           </a:p>
           <a:p>
             <a:pPr marL="0" indent="0" algn="r">
@@ -4381,6 +4391,292 @@
       </p:transition>
     </mc:Fallback>
   </mc:AlternateContent>
+</p:sld>
+</file>
+
+<file path=ppt/slides/slide2.xml><?xml version="1.0" encoding="utf-8"?>
+<p:sld xmlns:a="http://schemas.openxmlformats.org/drawingml/2006/main" xmlns:r="http://schemas.openxmlformats.org/officeDocument/2006/relationships" xmlns:p="http://schemas.openxmlformats.org/presentationml/2006/main">
+  <p:cSld>
+    <p:spTree>
+      <p:nvGrpSpPr>
+        <p:cNvPr id="1" name=""/>
+        <p:cNvGrpSpPr/>
+        <p:nvPr/>
+      </p:nvGrpSpPr>
+      <p:grpSpPr>
+        <a:xfrm>
+          <a:off x="0" y="0"/>
+          <a:ext cx="0" cy="0"/>
+          <a:chOff x="0" y="0"/>
+          <a:chExt cx="0" cy="0"/>
+        </a:xfrm>
+      </p:grpSpPr>
+      <p:sp>
+        <p:nvSpPr>
+          <p:cNvPr id="2" name="Content Placeholder 1">
+            <a:extLst>
+              <a:ext uri="{FF2B5EF4-FFF2-40B4-BE49-F238E27FC236}">
+                <a16:creationId xmlns:a16="http://schemas.microsoft.com/office/drawing/2014/main" id="{5430AB57-94B5-4570-9980-8C3C2E9980B8}"/>
+              </a:ext>
+            </a:extLst>
+          </p:cNvPr>
+          <p:cNvSpPr>
+            <a:spLocks noGrp="1"/>
+          </p:cNvSpPr>
+          <p:nvPr>
+            <p:ph sz="quarter" idx="12"/>
+          </p:nvPr>
+        </p:nvSpPr>
+        <p:spPr>
+          <a:xfrm>
+            <a:off x="754063" y="1518249"/>
+            <a:ext cx="10677365" cy="5108974"/>
+          </a:xfrm>
+        </p:spPr>
+        <p:txBody>
+          <a:bodyPr>
+            <a:normAutofit lnSpcReduction="10000"/>
+          </a:bodyPr>
+          <a:lstStyle/>
+          <a:p>
+            <a:pPr marL="342900" indent="-342900">
+              <a:buFont typeface="Arial" panose="020B0604020202020204" pitchFamily="34" charset="0"/>
+              <a:buChar char="•"/>
+            </a:pPr>
+            <a:r>
+              <a:rPr lang="pl-PL" b="1" dirty="0"/>
+              <a:t>Imię:</a:t>
+            </a:r>
+          </a:p>
+          <a:p>
+            <a:pPr marL="1028700" lvl="1" indent="-342900"/>
+            <a:r>
+              <a:rPr lang="pl-PL" dirty="0"/>
+              <a:t>Joanna/Aśka/Asia</a:t>
+            </a:r>
+          </a:p>
+          <a:p>
+            <a:pPr marL="342900" indent="-342900">
+              <a:buFont typeface="Arial" panose="020B0604020202020204" pitchFamily="34" charset="0"/>
+              <a:buChar char="•"/>
+            </a:pPr>
+            <a:r>
+              <a:rPr lang="pl-PL" b="1" dirty="0"/>
+              <a:t>Doświadczenie</a:t>
+            </a:r>
+            <a:r>
+              <a:rPr lang="pl-PL" dirty="0"/>
+              <a:t>: </a:t>
+            </a:r>
+          </a:p>
+          <a:p>
+            <a:pPr marL="1028700" lvl="1" indent="-342900"/>
+            <a:r>
+              <a:rPr lang="pl-PL" dirty="0"/>
+              <a:t>wszystko co Microsoft od 15+ lat (z wyjątkiem </a:t>
+            </a:r>
+            <a:r>
+              <a:rPr lang="pl-PL" dirty="0" err="1"/>
+              <a:t>SharePoint’a</a:t>
+            </a:r>
+            <a:r>
+              <a:rPr lang="pl-PL" dirty="0"/>
+              <a:t> :D)</a:t>
+            </a:r>
+          </a:p>
+          <a:p>
+            <a:pPr marL="342900" indent="-342900">
+              <a:buFont typeface="Arial" panose="020B0604020202020204" pitchFamily="34" charset="0"/>
+              <a:buChar char="•"/>
+            </a:pPr>
+            <a:r>
+              <a:rPr lang="pl-PL" b="1" dirty="0"/>
+              <a:t>Technologie</a:t>
+            </a:r>
+            <a:r>
+              <a:rPr lang="pl-PL" dirty="0"/>
+              <a:t>: </a:t>
+            </a:r>
+          </a:p>
+          <a:p>
+            <a:pPr marL="1028700" lvl="1" indent="-342900"/>
+            <a:r>
+              <a:rPr lang="pl-PL" dirty="0"/>
+              <a:t>najbardziej </a:t>
+            </a:r>
+            <a:r>
+              <a:rPr lang="pl-PL" dirty="0" err="1"/>
+              <a:t>backend</a:t>
+            </a:r>
+            <a:r>
+              <a:rPr lang="pl-PL" dirty="0"/>
+              <a:t>, </a:t>
+            </a:r>
+          </a:p>
+          <a:p>
+            <a:pPr marL="1485900" lvl="2" indent="-342900"/>
+            <a:r>
+              <a:rPr lang="pl-PL" dirty="0"/>
+              <a:t>Od .NET Framework 1.1, Asp.NET 2, </a:t>
+            </a:r>
+            <a:r>
+              <a:rPr lang="pl-PL" dirty="0" err="1"/>
+              <a:t>WinForms</a:t>
+            </a:r>
+            <a:r>
+              <a:rPr lang="pl-PL" dirty="0"/>
+              <a:t>, produkcyjnie .NET </a:t>
+            </a:r>
+            <a:r>
+              <a:rPr lang="pl-PL" dirty="0" err="1"/>
+              <a:t>Core</a:t>
+            </a:r>
+            <a:r>
+              <a:rPr lang="pl-PL" dirty="0"/>
+              <a:t> 2 ;)</a:t>
+            </a:r>
+          </a:p>
+          <a:p>
+            <a:pPr marL="1028700" lvl="1" indent="-342900"/>
+            <a:r>
+              <a:rPr lang="pl-PL" dirty="0"/>
+              <a:t>dodatkowo mobile </a:t>
+            </a:r>
+            <a:r>
+              <a:rPr lang="pl-PL" dirty="0" err="1"/>
+              <a:t>dev</a:t>
+            </a:r>
+            <a:r>
+              <a:rPr lang="pl-PL" dirty="0"/>
+              <a:t> </a:t>
+            </a:r>
+          </a:p>
+          <a:p>
+            <a:pPr marL="1485900" lvl="2" indent="-342900"/>
+            <a:r>
+              <a:rPr lang="pl-PL" dirty="0" err="1"/>
+              <a:t>Xamarin</a:t>
+            </a:r>
+            <a:r>
+              <a:rPr lang="pl-PL" dirty="0"/>
+              <a:t>, teraz MAUI </a:t>
+            </a:r>
+          </a:p>
+          <a:p>
+            <a:pPr marL="1028700" lvl="1" indent="-342900"/>
+            <a:r>
+              <a:rPr lang="pl-PL" dirty="0" err="1"/>
+              <a:t>DevOps</a:t>
+            </a:r>
+            <a:r>
+              <a:rPr lang="pl-PL" dirty="0"/>
+              <a:t> w </a:t>
+            </a:r>
+            <a:r>
+              <a:rPr lang="pl-PL" dirty="0" err="1"/>
+              <a:t>Azure</a:t>
+            </a:r>
+            <a:r>
+              <a:rPr lang="pl-PL" dirty="0"/>
+              <a:t> </a:t>
+            </a:r>
+            <a:r>
+              <a:rPr lang="pl-PL" dirty="0" err="1"/>
+              <a:t>DevOps</a:t>
+            </a:r>
+            <a:endParaRPr lang="pl-PL" dirty="0"/>
+          </a:p>
+          <a:p>
+            <a:pPr marL="1485900" lvl="2" indent="-342900"/>
+            <a:r>
+              <a:rPr lang="pl-PL" dirty="0"/>
+              <a:t> od czasu TFS, teraz wole chmurowe narzędzia</a:t>
+            </a:r>
+          </a:p>
+          <a:p>
+            <a:pPr marL="1028700" lvl="1" indent="-342900"/>
+            <a:r>
+              <a:rPr lang="pl-PL" dirty="0"/>
+              <a:t>obecnie </a:t>
+            </a:r>
+            <a:r>
+              <a:rPr lang="pl-PL" dirty="0" err="1"/>
+              <a:t>Azure</a:t>
+            </a:r>
+            <a:r>
+              <a:rPr lang="pl-PL" dirty="0"/>
+              <a:t> architekt</a:t>
+            </a:r>
+          </a:p>
+          <a:p>
+            <a:pPr marL="1485900" lvl="2" indent="-342900"/>
+            <a:r>
+              <a:rPr lang="pl-PL" dirty="0"/>
+              <a:t>głównie PAAS oraz </a:t>
+            </a:r>
+            <a:r>
+              <a:rPr lang="pl-PL" dirty="0" err="1"/>
+              <a:t>serverless</a:t>
+            </a:r>
+            <a:endParaRPr lang="pl-PL" dirty="0"/>
+          </a:p>
+          <a:p>
+            <a:pPr marL="1485900" lvl="2" indent="-342900"/>
+            <a:r>
+              <a:rPr lang="pl-PL" dirty="0"/>
+              <a:t>Architektura systemowa</a:t>
+            </a:r>
+          </a:p>
+          <a:p>
+            <a:pPr marL="342900" indent="-342900">
+              <a:buFont typeface="Arial" panose="020B0604020202020204" pitchFamily="34" charset="0"/>
+              <a:buChar char="•"/>
+            </a:pPr>
+            <a:endParaRPr lang="en-US" dirty="0"/>
+          </a:p>
+        </p:txBody>
+      </p:sp>
+      <p:sp>
+        <p:nvSpPr>
+          <p:cNvPr id="3" name="Content Placeholder 2">
+            <a:extLst>
+              <a:ext uri="{FF2B5EF4-FFF2-40B4-BE49-F238E27FC236}">
+                <a16:creationId xmlns:a16="http://schemas.microsoft.com/office/drawing/2014/main" id="{3C37CE09-E963-47E8-B184-FCCADEE95F1F}"/>
+              </a:ext>
+            </a:extLst>
+          </p:cNvPr>
+          <p:cNvSpPr>
+            <a:spLocks noGrp="1"/>
+          </p:cNvSpPr>
+          <p:nvPr>
+            <p:ph sz="quarter" idx="14"/>
+          </p:nvPr>
+        </p:nvSpPr>
+        <p:spPr/>
+        <p:txBody>
+          <a:bodyPr>
+            <a:normAutofit fontScale="92500" lnSpcReduction="20000"/>
+          </a:bodyPr>
+          <a:lstStyle/>
+          <a:p>
+            <a:r>
+              <a:rPr lang="pl-PL" dirty="0"/>
+              <a:t>Poznajmy się</a:t>
+            </a:r>
+            <a:endParaRPr lang="en-US" dirty="0"/>
+          </a:p>
+        </p:txBody>
+      </p:sp>
+    </p:spTree>
+    <p:extLst>
+      <p:ext uri="{BB962C8B-B14F-4D97-AF65-F5344CB8AC3E}">
+        <p14:creationId xmlns:p14="http://schemas.microsoft.com/office/powerpoint/2010/main" val="2386155039"/>
+      </p:ext>
+    </p:extLst>
+  </p:cSld>
+  <p:clrMapOvr>
+    <a:masterClrMapping/>
+  </p:clrMapOvr>
 </p:sld>
 </file>
 

--- a/0. About me.pptx
+++ b/0. About me.pptx
@@ -198,7 +198,7 @@
           <a:p>
             <a:fld id="{0A11D9AB-18A4-4008-91FE-1C015FF2620B}" type="datetimeFigureOut">
               <a:rPr lang="en-US" smtClean="0"/>
-              <a:t>7/6/2020</a:t>
+              <a:t>7/21/2020</a:t>
             </a:fld>
             <a:endParaRPr lang="en-US"/>
           </a:p>
@@ -696,7 +696,7 @@
           <a:p>
             <a:fld id="{A3B297FA-B97B-4824-9A30-8D195691A781}" type="datetimeFigureOut">
               <a:rPr lang="en-US" smtClean="0"/>
-              <a:t>7/6/2020</a:t>
+              <a:t>7/21/2020</a:t>
             </a:fld>
             <a:endParaRPr lang="en-US"/>
           </a:p>
@@ -894,7 +894,7 @@
           <a:p>
             <a:fld id="{A3B297FA-B97B-4824-9A30-8D195691A781}" type="datetimeFigureOut">
               <a:rPr lang="en-US" smtClean="0"/>
-              <a:t>7/6/2020</a:t>
+              <a:t>7/21/2020</a:t>
             </a:fld>
             <a:endParaRPr lang="en-US"/>
           </a:p>
@@ -1102,7 +1102,7 @@
           <a:p>
             <a:fld id="{A3B297FA-B97B-4824-9A30-8D195691A781}" type="datetimeFigureOut">
               <a:rPr lang="en-US" smtClean="0"/>
-              <a:t>7/6/2020</a:t>
+              <a:t>7/21/2020</a:t>
             </a:fld>
             <a:endParaRPr lang="en-US"/>
           </a:p>
@@ -1419,7 +1419,7 @@
           <a:p>
             <a:fld id="{A3B297FA-B97B-4824-9A30-8D195691A781}" type="datetimeFigureOut">
               <a:rPr lang="en-US" smtClean="0"/>
-              <a:t>7/6/2020</a:t>
+              <a:t>7/21/2020</a:t>
             </a:fld>
             <a:endParaRPr lang="en-US"/>
           </a:p>
@@ -1694,7 +1694,7 @@
           <a:p>
             <a:fld id="{A3B297FA-B97B-4824-9A30-8D195691A781}" type="datetimeFigureOut">
               <a:rPr lang="en-US" smtClean="0"/>
-              <a:t>7/6/2020</a:t>
+              <a:t>7/21/2020</a:t>
             </a:fld>
             <a:endParaRPr lang="en-US"/>
           </a:p>
@@ -1959,7 +1959,7 @@
           <a:p>
             <a:fld id="{A3B297FA-B97B-4824-9A30-8D195691A781}" type="datetimeFigureOut">
               <a:rPr lang="en-US" smtClean="0"/>
-              <a:t>7/6/2020</a:t>
+              <a:t>7/21/2020</a:t>
             </a:fld>
             <a:endParaRPr lang="en-US"/>
           </a:p>
@@ -2371,7 +2371,7 @@
           <a:p>
             <a:fld id="{A3B297FA-B97B-4824-9A30-8D195691A781}" type="datetimeFigureOut">
               <a:rPr lang="en-US" smtClean="0"/>
-              <a:t>7/6/2020</a:t>
+              <a:t>7/21/2020</a:t>
             </a:fld>
             <a:endParaRPr lang="en-US"/>
           </a:p>
@@ -2512,7 +2512,7 @@
           <a:p>
             <a:fld id="{A3B297FA-B97B-4824-9A30-8D195691A781}" type="datetimeFigureOut">
               <a:rPr lang="en-US" smtClean="0"/>
-              <a:t>7/6/2020</a:t>
+              <a:t>7/21/2020</a:t>
             </a:fld>
             <a:endParaRPr lang="en-US"/>
           </a:p>
@@ -2625,7 +2625,7 @@
           <a:p>
             <a:fld id="{A3B297FA-B97B-4824-9A30-8D195691A781}" type="datetimeFigureOut">
               <a:rPr lang="en-US" smtClean="0"/>
-              <a:t>7/6/2020</a:t>
+              <a:t>7/21/2020</a:t>
             </a:fld>
             <a:endParaRPr lang="en-US"/>
           </a:p>
@@ -2936,7 +2936,7 @@
           <a:p>
             <a:fld id="{A3B297FA-B97B-4824-9A30-8D195691A781}" type="datetimeFigureOut">
               <a:rPr lang="en-US" smtClean="0"/>
-              <a:t>7/6/2020</a:t>
+              <a:t>7/21/2020</a:t>
             </a:fld>
             <a:endParaRPr lang="en-US"/>
           </a:p>
@@ -3224,7 +3224,7 @@
           <a:p>
             <a:fld id="{A3B297FA-B97B-4824-9A30-8D195691A781}" type="datetimeFigureOut">
               <a:rPr lang="en-US" smtClean="0"/>
-              <a:t>7/6/2020</a:t>
+              <a:t>7/21/2020</a:t>
             </a:fld>
             <a:endParaRPr lang="en-US"/>
           </a:p>
@@ -3465,7 +3465,7 @@
           <a:p>
             <a:fld id="{A3B297FA-B97B-4824-9A30-8D195691A781}" type="datetimeFigureOut">
               <a:rPr lang="en-US" smtClean="0"/>
-              <a:t>7/6/2020</a:t>
+              <a:t>7/21/2020</a:t>
             </a:fld>
             <a:endParaRPr lang="en-US"/>
           </a:p>
@@ -4367,6 +4367,53 @@
           <a:prstGeom prst="rect">
             <a:avLst/>
           </a:prstGeom>
+        </p:spPr>
+      </p:pic>
+      <p:pic>
+        <p:nvPicPr>
+          <p:cNvPr id="9" name="Picture 2" descr="Symentis">
+            <a:extLst>
+              <a:ext uri="{FF2B5EF4-FFF2-40B4-BE49-F238E27FC236}">
+                <a16:creationId xmlns:a16="http://schemas.microsoft.com/office/drawing/2014/main" id="{BFFB488A-D6CB-4527-A4BC-7D0900A0DB4A}"/>
+              </a:ext>
+            </a:extLst>
+          </p:cNvPr>
+          <p:cNvPicPr>
+            <a:picLocks noChangeAspect="1" noChangeArrowheads="1"/>
+          </p:cNvPicPr>
+          <p:nvPr/>
+        </p:nvPicPr>
+        <p:blipFill>
+          <a:blip r:embed="rId9">
+            <a:extLst>
+              <a:ext uri="{28A0092B-C50C-407E-A947-70E740481C1C}">
+                <a14:useLocalDpi xmlns:a14="http://schemas.microsoft.com/office/drawing/2010/main" val="0"/>
+              </a:ext>
+            </a:extLst>
+          </a:blip>
+          <a:srcRect/>
+          <a:stretch>
+            <a:fillRect/>
+          </a:stretch>
+        </p:blipFill>
+        <p:spPr bwMode="auto">
+          <a:xfrm>
+            <a:off x="269514" y="-131990"/>
+            <a:ext cx="5397738" cy="2249058"/>
+          </a:xfrm>
+          <a:prstGeom prst="rect">
+            <a:avLst/>
+          </a:prstGeom>
+          <a:noFill/>
+          <a:extLst>
+            <a:ext uri="{909E8E84-426E-40DD-AFC4-6F175D3DCCD1}">
+              <a14:hiddenFill xmlns:a14="http://schemas.microsoft.com/office/drawing/2010/main">
+                <a:solidFill>
+                  <a:srgbClr val="FFFFFF"/>
+                </a:solidFill>
+              </a14:hiddenFill>
+            </a:ext>
+          </a:extLst>
         </p:spPr>
       </p:pic>
     </p:spTree>

--- a/0. About me.pptx
+++ b/0. About me.pptx
@@ -5,11 +5,13 @@
     <p:sldMasterId id="2147483648" r:id="rId1"/>
   </p:sldMasterIdLst>
   <p:notesMasterIdLst>
-    <p:notesMasterId r:id="rId4"/>
+    <p:notesMasterId r:id="rId6"/>
   </p:notesMasterIdLst>
   <p:sldIdLst>
     <p:sldId id="1750" r:id="rId2"/>
     <p:sldId id="1751" r:id="rId3"/>
+    <p:sldId id="1752" r:id="rId4"/>
+    <p:sldId id="1753" r:id="rId5"/>
   </p:sldIdLst>
   <p:sldSz cx="12192000" cy="6858000"/>
   <p:notesSz cx="6858000" cy="9144000"/>
@@ -198,7 +200,7 @@
           <a:p>
             <a:fld id="{0A11D9AB-18A4-4008-91FE-1C015FF2620B}" type="datetimeFigureOut">
               <a:rPr lang="en-US" smtClean="0"/>
-              <a:t>7/21/2020</a:t>
+              <a:t>9/10/2020</a:t>
             </a:fld>
             <a:endParaRPr lang="en-US"/>
           </a:p>
@@ -696,7 +698,7 @@
           <a:p>
             <a:fld id="{A3B297FA-B97B-4824-9A30-8D195691A781}" type="datetimeFigureOut">
               <a:rPr lang="en-US" smtClean="0"/>
-              <a:t>7/21/2020</a:t>
+              <a:t>9/10/2020</a:t>
             </a:fld>
             <a:endParaRPr lang="en-US"/>
           </a:p>
@@ -894,7 +896,7 @@
           <a:p>
             <a:fld id="{A3B297FA-B97B-4824-9A30-8D195691A781}" type="datetimeFigureOut">
               <a:rPr lang="en-US" smtClean="0"/>
-              <a:t>7/21/2020</a:t>
+              <a:t>9/10/2020</a:t>
             </a:fld>
             <a:endParaRPr lang="en-US"/>
           </a:p>
@@ -1102,7 +1104,7 @@
           <a:p>
             <a:fld id="{A3B297FA-B97B-4824-9A30-8D195691A781}" type="datetimeFigureOut">
               <a:rPr lang="en-US" smtClean="0"/>
-              <a:t>7/21/2020</a:t>
+              <a:t>9/10/2020</a:t>
             </a:fld>
             <a:endParaRPr lang="en-US"/>
           </a:p>
@@ -1419,7 +1421,7 @@
           <a:p>
             <a:fld id="{A3B297FA-B97B-4824-9A30-8D195691A781}" type="datetimeFigureOut">
               <a:rPr lang="en-US" smtClean="0"/>
-              <a:t>7/21/2020</a:t>
+              <a:t>9/10/2020</a:t>
             </a:fld>
             <a:endParaRPr lang="en-US"/>
           </a:p>
@@ -1694,7 +1696,7 @@
           <a:p>
             <a:fld id="{A3B297FA-B97B-4824-9A30-8D195691A781}" type="datetimeFigureOut">
               <a:rPr lang="en-US" smtClean="0"/>
-              <a:t>7/21/2020</a:t>
+              <a:t>9/10/2020</a:t>
             </a:fld>
             <a:endParaRPr lang="en-US"/>
           </a:p>
@@ -1959,7 +1961,7 @@
           <a:p>
             <a:fld id="{A3B297FA-B97B-4824-9A30-8D195691A781}" type="datetimeFigureOut">
               <a:rPr lang="en-US" smtClean="0"/>
-              <a:t>7/21/2020</a:t>
+              <a:t>9/10/2020</a:t>
             </a:fld>
             <a:endParaRPr lang="en-US"/>
           </a:p>
@@ -2371,7 +2373,7 @@
           <a:p>
             <a:fld id="{A3B297FA-B97B-4824-9A30-8D195691A781}" type="datetimeFigureOut">
               <a:rPr lang="en-US" smtClean="0"/>
-              <a:t>7/21/2020</a:t>
+              <a:t>9/10/2020</a:t>
             </a:fld>
             <a:endParaRPr lang="en-US"/>
           </a:p>
@@ -2512,7 +2514,7 @@
           <a:p>
             <a:fld id="{A3B297FA-B97B-4824-9A30-8D195691A781}" type="datetimeFigureOut">
               <a:rPr lang="en-US" smtClean="0"/>
-              <a:t>7/21/2020</a:t>
+              <a:t>9/10/2020</a:t>
             </a:fld>
             <a:endParaRPr lang="en-US"/>
           </a:p>
@@ -2625,7 +2627,7 @@
           <a:p>
             <a:fld id="{A3B297FA-B97B-4824-9A30-8D195691A781}" type="datetimeFigureOut">
               <a:rPr lang="en-US" smtClean="0"/>
-              <a:t>7/21/2020</a:t>
+              <a:t>9/10/2020</a:t>
             </a:fld>
             <a:endParaRPr lang="en-US"/>
           </a:p>
@@ -2936,7 +2938,7 @@
           <a:p>
             <a:fld id="{A3B297FA-B97B-4824-9A30-8D195691A781}" type="datetimeFigureOut">
               <a:rPr lang="en-US" smtClean="0"/>
-              <a:t>7/21/2020</a:t>
+              <a:t>9/10/2020</a:t>
             </a:fld>
             <a:endParaRPr lang="en-US"/>
           </a:p>
@@ -3224,7 +3226,7 @@
           <a:p>
             <a:fld id="{A3B297FA-B97B-4824-9A30-8D195691A781}" type="datetimeFigureOut">
               <a:rPr lang="en-US" smtClean="0"/>
-              <a:t>7/21/2020</a:t>
+              <a:t>9/10/2020</a:t>
             </a:fld>
             <a:endParaRPr lang="en-US"/>
           </a:p>
@@ -3465,7 +3467,7 @@
           <a:p>
             <a:fld id="{A3B297FA-B97B-4824-9A30-8D195691A781}" type="datetimeFigureOut">
               <a:rPr lang="en-US" smtClean="0"/>
-              <a:t>7/21/2020</a:t>
+              <a:t>9/10/2020</a:t>
             </a:fld>
             <a:endParaRPr lang="en-US"/>
           </a:p>
@@ -4398,7 +4400,7 @@
         </p:blipFill>
         <p:spPr bwMode="auto">
           <a:xfrm>
-            <a:off x="269514" y="-131990"/>
+            <a:off x="-5496325" y="-258692"/>
             <a:ext cx="5397738" cy="2249058"/>
           </a:xfrm>
           <a:prstGeom prst="rect">
@@ -4499,8 +4501,13 @@
             <a:pPr marL="1028700" lvl="1" indent="-342900"/>
             <a:r>
               <a:rPr lang="pl-PL" dirty="0"/>
-              <a:t>Joanna/Aśka/Asia</a:t>
-            </a:r>
+              <a:t>Joanna/Aśka/Asia/</a:t>
+            </a:r>
+            <a:r>
+              <a:rPr lang="pl-PL" dirty="0" err="1"/>
+              <a:t>Jo</a:t>
+            </a:r>
+            <a:endParaRPr lang="pl-PL" dirty="0"/>
           </a:p>
           <a:p>
             <a:pPr marL="342900" indent="-342900">
@@ -4718,6 +4725,258 @@
     <p:extLst>
       <p:ext uri="{BB962C8B-B14F-4D97-AF65-F5344CB8AC3E}">
         <p14:creationId xmlns:p14="http://schemas.microsoft.com/office/powerpoint/2010/main" val="2386155039"/>
+      </p:ext>
+    </p:extLst>
+  </p:cSld>
+  <p:clrMapOvr>
+    <a:masterClrMapping/>
+  </p:clrMapOvr>
+</p:sld>
+</file>
+
+<file path=ppt/slides/slide3.xml><?xml version="1.0" encoding="utf-8"?>
+<p:sld xmlns:a="http://schemas.openxmlformats.org/drawingml/2006/main" xmlns:r="http://schemas.openxmlformats.org/officeDocument/2006/relationships" xmlns:p="http://schemas.openxmlformats.org/presentationml/2006/main">
+  <p:cSld>
+    <p:spTree>
+      <p:nvGrpSpPr>
+        <p:cNvPr id="1" name=""/>
+        <p:cNvGrpSpPr/>
+        <p:nvPr/>
+      </p:nvGrpSpPr>
+      <p:grpSpPr>
+        <a:xfrm>
+          <a:off x="0" y="0"/>
+          <a:ext cx="0" cy="0"/>
+          <a:chOff x="0" y="0"/>
+          <a:chExt cx="0" cy="0"/>
+        </a:xfrm>
+      </p:grpSpPr>
+      <p:sp>
+        <p:nvSpPr>
+          <p:cNvPr id="2" name="Content Placeholder 1">
+            <a:extLst>
+              <a:ext uri="{FF2B5EF4-FFF2-40B4-BE49-F238E27FC236}">
+                <a16:creationId xmlns:a16="http://schemas.microsoft.com/office/drawing/2014/main" id="{B228FDD1-A486-4233-B1DC-71014E0A0A41}"/>
+              </a:ext>
+            </a:extLst>
+          </p:cNvPr>
+          <p:cNvSpPr>
+            <a:spLocks noGrp="1"/>
+          </p:cNvSpPr>
+          <p:nvPr>
+            <p:ph sz="quarter" idx="12"/>
+          </p:nvPr>
+        </p:nvSpPr>
+        <p:spPr>
+          <a:xfrm>
+            <a:off x="597877" y="1518249"/>
+            <a:ext cx="12001500" cy="4644427"/>
+          </a:xfrm>
+        </p:spPr>
+        <p:txBody>
+          <a:bodyPr>
+            <a:normAutofit/>
+          </a:bodyPr>
+          <a:lstStyle/>
+          <a:p>
+            <a:r>
+              <a:rPr lang="en-US" sz="4400" dirty="0">
+                <a:latin typeface="Times New Roman" panose="02020603050405020304" pitchFamily="18" charset="0"/>
+                <a:cs typeface="Times New Roman" panose="02020603050405020304" pitchFamily="18" charset="0"/>
+                <a:hlinkClick r:id="rId2"/>
+              </a:rPr>
+              <a:t>https://bit.ly/2F4lSsO</a:t>
+            </a:r>
+            <a:endParaRPr lang="pl-PL" sz="4400" dirty="0">
+              <a:latin typeface="Times New Roman" panose="02020603050405020304" pitchFamily="18" charset="0"/>
+              <a:cs typeface="Times New Roman" panose="02020603050405020304" pitchFamily="18" charset="0"/>
+            </a:endParaRPr>
+          </a:p>
+          <a:p>
+            <a:endParaRPr lang="pl-PL" sz="4400" dirty="0">
+              <a:latin typeface="Times New Roman" panose="02020603050405020304" pitchFamily="18" charset="0"/>
+              <a:cs typeface="Times New Roman" panose="02020603050405020304" pitchFamily="18" charset="0"/>
+            </a:endParaRPr>
+          </a:p>
+          <a:p>
+            <a:r>
+              <a:rPr lang="pl-PL" sz="4400" dirty="0">
+                <a:latin typeface="Times New Roman" panose="02020603050405020304" pitchFamily="18" charset="0"/>
+                <a:cs typeface="Times New Roman" panose="02020603050405020304" pitchFamily="18" charset="0"/>
+              </a:rPr>
+              <a:t>Lub wersja długa</a:t>
+            </a:r>
+          </a:p>
+          <a:p>
+            <a:r>
+              <a:rPr lang="en-US" sz="4400" dirty="0">
+                <a:latin typeface="Times New Roman" panose="02020603050405020304" pitchFamily="18" charset="0"/>
+                <a:cs typeface="Times New Roman" panose="02020603050405020304" pitchFamily="18" charset="0"/>
+                <a:hlinkClick r:id="rId3"/>
+              </a:rPr>
+              <a:t>http://jlamch.net/AzureIoTWorkshop/backend-dev/</a:t>
+            </a:r>
+            <a:r>
+              <a:rPr lang="pl-PL" sz="4400" dirty="0">
+                <a:latin typeface="Times New Roman" panose="02020603050405020304" pitchFamily="18" charset="0"/>
+                <a:cs typeface="Times New Roman" panose="02020603050405020304" pitchFamily="18" charset="0"/>
+              </a:rPr>
+              <a:t> </a:t>
+            </a:r>
+            <a:endParaRPr lang="en-US" sz="4400" dirty="0">
+              <a:latin typeface="Times New Roman" panose="02020603050405020304" pitchFamily="18" charset="0"/>
+              <a:cs typeface="Times New Roman" panose="02020603050405020304" pitchFamily="18" charset="0"/>
+            </a:endParaRPr>
+          </a:p>
+        </p:txBody>
+      </p:sp>
+      <p:sp>
+        <p:nvSpPr>
+          <p:cNvPr id="3" name="Content Placeholder 2">
+            <a:extLst>
+              <a:ext uri="{FF2B5EF4-FFF2-40B4-BE49-F238E27FC236}">
+                <a16:creationId xmlns:a16="http://schemas.microsoft.com/office/drawing/2014/main" id="{7B640FF0-AC36-4D23-A09D-9EBCD86A378B}"/>
+              </a:ext>
+            </a:extLst>
+          </p:cNvPr>
+          <p:cNvSpPr>
+            <a:spLocks noGrp="1"/>
+          </p:cNvSpPr>
+          <p:nvPr>
+            <p:ph sz="quarter" idx="14"/>
+          </p:nvPr>
+        </p:nvSpPr>
+        <p:spPr/>
+        <p:txBody>
+          <a:bodyPr>
+            <a:normAutofit fontScale="92500" lnSpcReduction="20000"/>
+          </a:bodyPr>
+          <a:lstStyle/>
+          <a:p>
+            <a:r>
+              <a:rPr lang="en-US" dirty="0"/>
+              <a:t>Link </a:t>
+            </a:r>
+            <a:r>
+              <a:rPr lang="en-US" dirty="0" err="1"/>
+              <a:t>kt</a:t>
+            </a:r>
+            <a:r>
+              <a:rPr lang="pl-PL" dirty="0" err="1"/>
+              <a:t>óry</a:t>
+            </a:r>
+            <a:r>
+              <a:rPr lang="pl-PL" dirty="0"/>
+              <a:t> się przyda</a:t>
+            </a:r>
+            <a:endParaRPr lang="en-US" dirty="0"/>
+          </a:p>
+        </p:txBody>
+      </p:sp>
+    </p:spTree>
+    <p:extLst>
+      <p:ext uri="{BB962C8B-B14F-4D97-AF65-F5344CB8AC3E}">
+        <p14:creationId xmlns:p14="http://schemas.microsoft.com/office/powerpoint/2010/main" val="698442864"/>
+      </p:ext>
+    </p:extLst>
+  </p:cSld>
+  <p:clrMapOvr>
+    <a:masterClrMapping/>
+  </p:clrMapOvr>
+</p:sld>
+</file>
+
+<file path=ppt/slides/slide4.xml><?xml version="1.0" encoding="utf-8"?>
+<p:sld xmlns:a="http://schemas.openxmlformats.org/drawingml/2006/main" xmlns:r="http://schemas.openxmlformats.org/officeDocument/2006/relationships" xmlns:p="http://schemas.openxmlformats.org/presentationml/2006/main">
+  <p:cSld>
+    <p:spTree>
+      <p:nvGrpSpPr>
+        <p:cNvPr id="1" name=""/>
+        <p:cNvGrpSpPr/>
+        <p:nvPr/>
+      </p:nvGrpSpPr>
+      <p:grpSpPr>
+        <a:xfrm>
+          <a:off x="0" y="0"/>
+          <a:ext cx="0" cy="0"/>
+          <a:chOff x="0" y="0"/>
+          <a:chExt cx="0" cy="0"/>
+        </a:xfrm>
+      </p:grpSpPr>
+      <p:sp>
+        <p:nvSpPr>
+          <p:cNvPr id="2" name="Content Placeholder 1">
+            <a:extLst>
+              <a:ext uri="{FF2B5EF4-FFF2-40B4-BE49-F238E27FC236}">
+                <a16:creationId xmlns:a16="http://schemas.microsoft.com/office/drawing/2014/main" id="{061BBB77-40B1-4F74-AE64-41A7BEE9A82C}"/>
+              </a:ext>
+            </a:extLst>
+          </p:cNvPr>
+          <p:cNvSpPr>
+            <a:spLocks noGrp="1"/>
+          </p:cNvSpPr>
+          <p:nvPr>
+            <p:ph sz="quarter" idx="12"/>
+          </p:nvPr>
+        </p:nvSpPr>
+        <p:spPr/>
+        <p:txBody>
+          <a:bodyPr>
+            <a:normAutofit/>
+          </a:bodyPr>
+          <a:lstStyle/>
+          <a:p>
+            <a:endParaRPr lang="pl-PL" sz="8000" b="1" dirty="0">
+              <a:latin typeface="Times New Roman" panose="02020603050405020304" pitchFamily="18" charset="0"/>
+              <a:cs typeface="Times New Roman" panose="02020603050405020304" pitchFamily="18" charset="0"/>
+            </a:endParaRPr>
+          </a:p>
+          <a:p>
+            <a:r>
+              <a:rPr lang="en-US" sz="8000" b="1" dirty="0">
+                <a:latin typeface="Times New Roman" panose="02020603050405020304" pitchFamily="18" charset="0"/>
+                <a:cs typeface="Times New Roman" panose="02020603050405020304" pitchFamily="18" charset="0"/>
+              </a:rPr>
+              <a:t>https://bit.ly/3m7PS7J</a:t>
+            </a:r>
+          </a:p>
+        </p:txBody>
+      </p:sp>
+      <p:sp>
+        <p:nvSpPr>
+          <p:cNvPr id="3" name="Content Placeholder 2">
+            <a:extLst>
+              <a:ext uri="{FF2B5EF4-FFF2-40B4-BE49-F238E27FC236}">
+                <a16:creationId xmlns:a16="http://schemas.microsoft.com/office/drawing/2014/main" id="{4E8B20A8-DAA5-4126-A6BA-5C74B1A9F752}"/>
+              </a:ext>
+            </a:extLst>
+          </p:cNvPr>
+          <p:cNvSpPr>
+            <a:spLocks noGrp="1"/>
+          </p:cNvSpPr>
+          <p:nvPr>
+            <p:ph sz="quarter" idx="14"/>
+          </p:nvPr>
+        </p:nvSpPr>
+        <p:spPr/>
+        <p:txBody>
+          <a:bodyPr>
+            <a:normAutofit fontScale="92500" lnSpcReduction="20000"/>
+          </a:bodyPr>
+          <a:lstStyle/>
+          <a:p>
+            <a:r>
+              <a:rPr lang="pl-PL" dirty="0"/>
+              <a:t>Ankieta i materiały</a:t>
+            </a:r>
+            <a:endParaRPr lang="en-US" dirty="0"/>
+          </a:p>
+        </p:txBody>
+      </p:sp>
+    </p:spTree>
+    <p:extLst>
+      <p:ext uri="{BB962C8B-B14F-4D97-AF65-F5344CB8AC3E}">
+        <p14:creationId xmlns:p14="http://schemas.microsoft.com/office/powerpoint/2010/main" val="2257271716"/>
       </p:ext>
     </p:extLst>
   </p:cSld>
